--- a/Courses/Computer-Modeling-and-IT/Computer-Modeling-and-IT-6-Class/27-Introduction-to-Python/27-Introduction-to-Python.pptx
+++ b/Courses/Computer-Modeling-and-IT/Computer-Modeling-and-IT-6-Class/27-Introduction-to-Python/27-Introduction-to-Python.pptx
@@ -325,7 +325,7 @@
           <a:p>
             <a:fld id="{4E087215-0C8F-4762-A664-737A353EC9A4}" type="datetimeFigureOut">
               <a:rPr lang="bg-BG" smtClean="0"/>
-              <a:t>27.11.2024 г.</a:t>
+              <a:t>3.9.2025 г.</a:t>
             </a:fld>
             <a:endParaRPr lang="bg-BG"/>
           </a:p>
@@ -521,7 +521,7 @@
           <a:p>
             <a:fld id="{72D84649-876A-46C9-8472-14CB09C070D8}" type="datetimeFigureOut">
               <a:rPr lang="en-US" smtClean="0"/>
-              <a:t>11/27/2024</a:t>
+              <a:t>3-Sep-25</a:t>
             </a:fld>
             <a:endParaRPr lang="en-US"/>
           </a:p>
@@ -6983,11 +6983,7 @@
             </a:r>
             <a:r>
               <a:rPr lang="bg-BG" dirty="0"/>
-              <a:t>с </a:t>
-            </a:r>
-            <a:r>
-              <a:rPr lang="bg-BG" dirty="0" smtClean="0"/>
-              <a:t>числа</a:t>
+              <a:t>с числа</a:t>
             </a:r>
             <a:endParaRPr lang="en-US" dirty="0"/>
           </a:p>
@@ -7017,14 +7013,13 @@
           <a:lstStyle/>
           <a:p>
             <a:r>
-              <a:rPr lang="ru-RU" dirty="0" smtClean="0"/>
+              <a:rPr lang="ru-RU" dirty="0"/>
               <a:t>Въведение в </a:t>
             </a:r>
             <a:r>
-              <a:rPr lang="en-US" dirty="0" smtClean="0"/>
+              <a:rPr lang="en-US" dirty="0"/>
               <a:t>Python</a:t>
             </a:r>
-            <a:endParaRPr lang="en-US" dirty="0"/>
           </a:p>
         </p:txBody>
       </p:sp>
@@ -7117,13 +7112,6 @@
       <p:transition spd="slow" advClick="0" advTm="5000"/>
     </mc:Fallback>
   </mc:AlternateContent>
-  <p:timing>
-    <p:tnLst>
-      <p:par>
-        <p:cTn id="1" dur="indefinite" restart="never" nodeType="tmRoot"/>
-      </p:par>
-    </p:tnLst>
-  </p:timing>
 </p:sld>
 </file>
 
@@ -7249,7 +7237,7 @@
               <a:t>програмата</a:t>
             </a:r>
             <a:r>
-              <a:rPr lang="bg-BG" sz="3600" dirty="0" smtClean="0"/>
+              <a:rPr lang="bg-BG" sz="3600" dirty="0"/>
               <a:t>:</a:t>
             </a:r>
           </a:p>
@@ -7264,14 +7252,10 @@
             </a:pPr>
             <a:r>
               <a:rPr lang="bg-BG" sz="3400" dirty="0"/>
-              <a:t>Чрез </a:t>
-            </a:r>
-            <a:r>
-              <a:rPr lang="bg-BG" sz="3400" dirty="0" smtClean="0"/>
-              <a:t>натискане</a:t>
-            </a:r>
-            <a:r>
-              <a:rPr lang="en-US" sz="3400" dirty="0" smtClean="0"/>
+              <a:t>Чрез натискане</a:t>
+            </a:r>
+            <a:r>
+              <a:rPr lang="en-US" sz="3400" dirty="0"/>
               <a:t> </a:t>
             </a:r>
             <a:r>
@@ -7295,7 +7279,7 @@
               <a:t>Run</a:t>
             </a:r>
             <a:r>
-              <a:rPr lang="en-US" sz="3400" dirty="0" smtClean="0"/>
+              <a:rPr lang="en-US" sz="3400" dirty="0"/>
               <a:t>]</a:t>
             </a:r>
             <a:endParaRPr lang="bg-BG" sz="3600" dirty="0"/>
@@ -7314,19 +7298,19 @@
               <a:t>Чрез </a:t>
             </a:r>
             <a:r>
-              <a:rPr lang="bg-BG" sz="3400" b="1" dirty="0" smtClean="0"/>
+              <a:rPr lang="bg-BG" sz="3400" b="1" dirty="0"/>
               <a:t>клашива</a:t>
             </a:r>
             <a:r>
-              <a:rPr lang="bg-BG" sz="3400" dirty="0" smtClean="0"/>
+              <a:rPr lang="bg-BG" sz="3400" dirty="0"/>
               <a:t> </a:t>
             </a:r>
             <a:r>
-              <a:rPr lang="en-US" sz="3400" dirty="0" smtClean="0"/>
+              <a:rPr lang="en-US" sz="3400" dirty="0"/>
               <a:t>[</a:t>
             </a:r>
             <a:r>
-              <a:rPr lang="en-US" sz="3400" b="1" dirty="0" smtClean="0">
+              <a:rPr lang="en-US" sz="3400" b="1" dirty="0">
                 <a:solidFill>
                   <a:schemeClr val="bg1"/>
                 </a:solidFill>
@@ -7334,7 +7318,7 @@
               <a:t>F5</a:t>
             </a:r>
             <a:r>
-              <a:rPr lang="en-US" sz="3400" dirty="0" smtClean="0"/>
+              <a:rPr lang="en-US" sz="3400" dirty="0"/>
               <a:t>]</a:t>
             </a:r>
             <a:endParaRPr lang="bg-BG" sz="3400" b="1" dirty="0">
@@ -7364,7 +7348,7 @@
           <a:lstStyle/>
           <a:p>
             <a:r>
-              <a:rPr lang="bg-BG" dirty="0" smtClean="0"/>
+              <a:rPr lang="bg-BG" dirty="0"/>
               <a:t>Стартиране на програмата</a:t>
             </a:r>
             <a:endParaRPr lang="en-US" dirty="0"/>
@@ -7719,11 +7703,11 @@
               <a:t>Резултатът ще се изпише на </a:t>
             </a:r>
             <a:r>
-              <a:rPr lang="bg-BG" sz="3600" b="1" dirty="0" smtClean="0"/>
+              <a:rPr lang="bg-BG" sz="3600" b="1" dirty="0"/>
               <a:t>конзолата</a:t>
             </a:r>
             <a:r>
-              <a:rPr lang="bg-BG" sz="3600" dirty="0" smtClean="0"/>
+              <a:rPr lang="bg-BG" sz="3600" dirty="0"/>
               <a:t>:</a:t>
             </a:r>
             <a:endParaRPr lang="en-US" sz="3600" dirty="0"/>
@@ -8040,22 +8024,22 @@
           <a:lstStyle/>
           <a:p>
             <a:r>
-              <a:rPr lang="bg-BG" dirty="0" smtClean="0"/>
+              <a:rPr lang="bg-BG" dirty="0"/>
               <a:t>Грешки на </a:t>
             </a:r>
             <a:r>
-              <a:rPr lang="bg-BG" b="1" dirty="0" smtClean="0"/>
+              <a:rPr lang="bg-BG" b="1" dirty="0"/>
               <a:t>синтаксиса</a:t>
             </a:r>
           </a:p>
           <a:p>
-            <a:endParaRPr lang="bg-BG" dirty="0" smtClean="0"/>
+            <a:endParaRPr lang="bg-BG" dirty="0"/>
           </a:p>
           <a:p>
             <a:pPr marL="0" indent="0">
               <a:buNone/>
             </a:pPr>
-            <a:endParaRPr lang="bg-BG" dirty="0" smtClean="0"/>
+            <a:endParaRPr lang="bg-BG" dirty="0"/>
           </a:p>
           <a:p>
             <a:pPr lvl="1"/>
@@ -8073,11 +8057,7 @@
             </a:r>
             <a:r>
               <a:rPr lang="bg-BG" sz="3200" dirty="0"/>
-              <a:t>в </a:t>
-            </a:r>
-            <a:r>
-              <a:rPr lang="bg-BG" sz="3200" dirty="0" smtClean="0"/>
-              <a:t>скобите</a:t>
+              <a:t>в скобите</a:t>
             </a:r>
           </a:p>
           <a:p>
@@ -8091,10 +8071,10 @@
             </a:r>
           </a:p>
           <a:p>
-            <a:endParaRPr lang="bg-BG" sz="3400" dirty="0" smtClean="0"/>
-          </a:p>
-          <a:p>
-            <a:endParaRPr lang="bg-BG" sz="3400" dirty="0" smtClean="0"/>
+            <a:endParaRPr lang="bg-BG" sz="3400" dirty="0"/>
+          </a:p>
+          <a:p>
+            <a:endParaRPr lang="bg-BG" sz="3400" dirty="0"/>
           </a:p>
           <a:p>
             <a:pPr lvl="1"/>
@@ -8111,7 +8091,7 @@
               <a:t> </a:t>
             </a:r>
             <a:r>
-              <a:rPr lang="en-US" sz="3400" b="1" dirty="0" smtClean="0">
+              <a:rPr lang="en-US" sz="3400" b="1" dirty="0">
                 <a:solidFill>
                   <a:schemeClr val="bg1"/>
                 </a:solidFill>
@@ -8120,7 +8100,7 @@
               <a:t>print</a:t>
             </a:r>
             <a:r>
-              <a:rPr lang="bg-BG" sz="3400" b="1" dirty="0" smtClean="0">
+              <a:rPr lang="bg-BG" sz="3400" b="1" dirty="0">
                 <a:solidFill>
                   <a:schemeClr val="bg1"/>
                 </a:solidFill>
@@ -8152,15 +8132,15 @@
           <a:lstStyle/>
           <a:p>
             <a:r>
-              <a:rPr lang="bg-BG" dirty="0" smtClean="0"/>
+              <a:rPr lang="bg-BG" dirty="0"/>
               <a:t>Типични грешки в </a:t>
             </a:r>
             <a:r>
-              <a:rPr lang="en-US" dirty="0" smtClean="0"/>
+              <a:rPr lang="en-US" dirty="0"/>
               <a:t>Python </a:t>
             </a:r>
             <a:r>
-              <a:rPr lang="bg-BG" dirty="0" smtClean="0"/>
+              <a:rPr lang="bg-BG" dirty="0"/>
               <a:t>програмите</a:t>
             </a:r>
             <a:endParaRPr lang="en-US" dirty="0"/>
@@ -8493,11 +8473,7 @@
           <a:p>
             <a:r>
               <a:rPr lang="bg-BG" dirty="0"/>
-              <a:t>Променливи и типове </a:t>
-            </a:r>
-            <a:r>
-              <a:rPr lang="bg-BG" dirty="0" smtClean="0"/>
-              <a:t>данни</a:t>
+              <a:t>Променливи и типове данни</a:t>
             </a:r>
             <a:endParaRPr lang="en-US" dirty="0"/>
           </a:p>
@@ -8557,13 +8533,6 @@
       <p:transition spd="slow" advClick="0" advTm="5000"/>
     </mc:Fallback>
   </mc:AlternateContent>
-  <p:timing>
-    <p:tnLst>
-      <p:par>
-        <p:cTn id="1" dur="indefinite" restart="never" nodeType="tmRoot"/>
-      </p:par>
-    </p:tnLst>
-  </p:timing>
 </p:sld>
 </file>
 
@@ -9812,15 +9781,7 @@
             <a:pPr lvl="1"/>
             <a:r>
               <a:rPr lang="bg-BG" dirty="0"/>
-              <a:t>Число, </a:t>
-            </a:r>
-            <a:r>
-              <a:rPr lang="bg-BG" dirty="0" smtClean="0"/>
-              <a:t>текст, </a:t>
-            </a:r>
-            <a:r>
-              <a:rPr lang="bg-BG" dirty="0"/>
-              <a:t>дата, цвят, картинка, списък</a:t>
+              <a:t>Число, текст, дата, цвят, картинка, списък</a:t>
             </a:r>
             <a:r>
               <a:rPr lang="en-US" dirty="0"/>
@@ -9858,13 +9819,13 @@
           <a:p>
             <a:pPr lvl="1"/>
             <a:r>
-              <a:rPr lang="en-US" b="1" dirty="0" smtClean="0">
+              <a:rPr lang="en-US" b="1" dirty="0">
                 <a:latin typeface="Consolas" panose="020B0609020204030204" pitchFamily="49" charset="0"/>
               </a:rPr>
               <a:t>͏</a:t>
             </a:r>
             <a:r>
-              <a:rPr lang="en-US" b="1" dirty="0" smtClean="0">
+              <a:rPr lang="en-US" b="1" dirty="0">
                 <a:solidFill>
                   <a:schemeClr val="bg1"/>
                 </a:solidFill>
@@ -9873,7 +9834,7 @@
               <a:t>int</a:t>
             </a:r>
             <a:r>
-              <a:rPr lang="bg-BG" dirty="0" smtClean="0"/>
+              <a:rPr lang="bg-BG" dirty="0"/>
               <a:t> </a:t>
             </a:r>
             <a:r>
@@ -9948,13 +9909,13 @@
           <a:p>
             <a:pPr lvl="1"/>
             <a:r>
-              <a:rPr lang="en-US" b="1" dirty="0" smtClean="0">
+              <a:rPr lang="en-US" b="1" dirty="0">
                 <a:latin typeface="Consolas" panose="020B0609020204030204" pitchFamily="49" charset="0"/>
               </a:rPr>
               <a:t>͏</a:t>
             </a:r>
             <a:r>
-              <a:rPr lang="en-US" b="1" dirty="0" smtClean="0">
+              <a:rPr lang="en-US" b="1" dirty="0">
                 <a:solidFill>
                   <a:schemeClr val="bg1"/>
                 </a:solidFill>
@@ -9963,7 +9924,77 @@
               <a:t>float</a:t>
             </a:r>
             <a:r>
-              <a:rPr lang="en-US" dirty="0" smtClean="0"/>
+              <a:rPr lang="en-US" dirty="0"/>
+              <a:t> – </a:t>
+            </a:r>
+            <a:r>
+              <a:rPr lang="bg-BG" dirty="0"/>
+              <a:t>дробно число</a:t>
+            </a:r>
+            <a:r>
+              <a:rPr lang="en-US" dirty="0"/>
+              <a:t>: </a:t>
+            </a:r>
+            <a:r>
+              <a:rPr lang="bg-BG" b="1" dirty="0"/>
+              <a:t>0.5</a:t>
+            </a:r>
+            <a:r>
+              <a:rPr lang="en-US" dirty="0"/>
+              <a:t>, </a:t>
+            </a:r>
+            <a:r>
+              <a:rPr lang="bg-BG" b="1" dirty="0"/>
+              <a:t>3.14</a:t>
+            </a:r>
+            <a:r>
+              <a:rPr lang="en-US" dirty="0"/>
+              <a:t>,</a:t>
+            </a:r>
+            <a:r>
+              <a:rPr lang="bg-BG" dirty="0"/>
+              <a:t> </a:t>
+            </a:r>
+            <a:r>
+              <a:rPr lang="en-US" b="1" dirty="0"/>
+              <a:t>-1.5</a:t>
+            </a:r>
+            <a:r>
+              <a:rPr lang="en-US" dirty="0"/>
+              <a:t>,</a:t>
+            </a:r>
+            <a:r>
+              <a:rPr lang="bg-BG" dirty="0"/>
+              <a:t> </a:t>
+            </a:r>
+            <a:r>
+              <a:rPr lang="en-US" dirty="0">
+                <a:cs typeface="Consolas" pitchFamily="49" charset="0"/>
+              </a:rPr>
+              <a:t>…</a:t>
+            </a:r>
+          </a:p>
+          <a:p>
+            <a:pPr lvl="1"/>
+            <a:r>
+              <a:rPr lang="en-US" b="1" dirty="0">
+                <a:latin typeface="Consolas" panose="020B0609020204030204" pitchFamily="49" charset="0"/>
+              </a:rPr>
+              <a:t>͏</a:t>
+            </a:r>
+            <a:r>
+              <a:rPr lang="en-US" b="1" dirty="0">
+                <a:solidFill>
+                  <a:schemeClr val="bg1"/>
+                </a:solidFill>
+                <a:latin typeface="Consolas" panose="020B0609020204030204" pitchFamily="49" charset="0"/>
+              </a:rPr>
+              <a:t>str</a:t>
+            </a:r>
+            <a:r>
+              <a:rPr lang="en-US" b="1" dirty="0">
+                <a:latin typeface="Consolas" panose="020B0609020204030204" pitchFamily="49" charset="0"/>
+              </a:rPr>
               <a:t> </a:t>
             </a:r>
             <a:r>
@@ -9972,154 +10003,80 @@
             </a:r>
             <a:r>
               <a:rPr lang="bg-BG" dirty="0"/>
-              <a:t>дробно число</a:t>
+              <a:t>текст</a:t>
+            </a:r>
+            <a:r>
+              <a:rPr lang="en-US" dirty="0"/>
+              <a:t> </a:t>
+            </a:r>
+            <a:r>
+              <a:rPr lang="bg-BG" dirty="0"/>
+              <a:t>и символи</a:t>
             </a:r>
             <a:r>
               <a:rPr lang="en-US" dirty="0"/>
               <a:t>: </a:t>
             </a:r>
             <a:r>
-              <a:rPr lang="bg-BG" b="1" dirty="0"/>
-              <a:t>0.5</a:t>
-            </a:r>
-            <a:r>
-              <a:rPr lang="en-US" dirty="0"/>
-              <a:t>, </a:t>
-            </a:r>
-            <a:r>
-              <a:rPr lang="bg-BG" b="1" dirty="0"/>
-              <a:t>3.14</a:t>
+              <a:rPr lang="en-US" b="1" dirty="0"/>
+              <a:t>'a'</a:t>
             </a:r>
             <a:r>
               <a:rPr lang="en-US" dirty="0"/>
               <a:t>,</a:t>
             </a:r>
             <a:r>
+              <a:rPr lang="en-US" b="1" dirty="0"/>
+              <a:t> '</a:t>
+            </a:r>
+            <a:r>
+              <a:rPr lang="bg-BG" b="1" dirty="0"/>
+              <a:t>Здрасти'</a:t>
+            </a:r>
+            <a:r>
+              <a:rPr lang="bg-BG" dirty="0"/>
+              <a:t>,</a:t>
+            </a:r>
+            <a:r>
+              <a:rPr lang="bg-BG" b="1" dirty="0"/>
+              <a:t>'</a:t>
+            </a:r>
+            <a:r>
+              <a:rPr lang="en-US" b="1" dirty="0"/>
+              <a:t>Hi</a:t>
+            </a:r>
+            <a:r>
+              <a:rPr lang="bg-BG" b="1" dirty="0"/>
+              <a:t>'</a:t>
+            </a:r>
+            <a:r>
+              <a:rPr lang="en-US" dirty="0"/>
+              <a:t>,</a:t>
+            </a:r>
+            <a:r>
               <a:rPr lang="bg-BG" dirty="0"/>
               <a:t> </a:t>
             </a:r>
             <a:r>
-              <a:rPr lang="en-US" b="1" dirty="0"/>
-              <a:t>-1.5</a:t>
-            </a:r>
-            <a:r>
-              <a:rPr lang="en-US" dirty="0"/>
-              <a:t>,</a:t>
-            </a:r>
-            <a:r>
-              <a:rPr lang="bg-BG" dirty="0"/>
-              <a:t> </a:t>
-            </a:r>
-            <a:r>
               <a:rPr lang="en-US" dirty="0">
                 <a:cs typeface="Consolas" pitchFamily="49" charset="0"/>
               </a:rPr>
               <a:t>…</a:t>
             </a:r>
-          </a:p>
-          <a:p>
-            <a:pPr lvl="1"/>
-            <a:r>
-              <a:rPr lang="en-US" b="1" dirty="0" smtClean="0">
-                <a:latin typeface="Consolas" panose="020B0609020204030204" pitchFamily="49" charset="0"/>
-              </a:rPr>
-              <a:t>͏</a:t>
-            </a:r>
-            <a:r>
-              <a:rPr lang="en-US" b="1" dirty="0" smtClean="0">
-                <a:solidFill>
-                  <a:schemeClr val="bg1"/>
-                </a:solidFill>
-                <a:latin typeface="Consolas" panose="020B0609020204030204" pitchFamily="49" charset="0"/>
-              </a:rPr>
-              <a:t>str</a:t>
-            </a:r>
-            <a:r>
-              <a:rPr lang="en-US" b="1" dirty="0" smtClean="0">
-                <a:latin typeface="Consolas" panose="020B0609020204030204" pitchFamily="49" charset="0"/>
-              </a:rPr>
-              <a:t> </a:t>
-            </a:r>
-            <a:r>
-              <a:rPr lang="en-US" dirty="0"/>
-              <a:t>– </a:t>
-            </a:r>
-            <a:r>
-              <a:rPr lang="bg-BG" dirty="0" smtClean="0"/>
-              <a:t>текст</a:t>
-            </a:r>
-            <a:r>
-              <a:rPr lang="en-US" dirty="0" smtClean="0"/>
-              <a:t> </a:t>
-            </a:r>
-            <a:r>
-              <a:rPr lang="bg-BG" dirty="0"/>
-              <a:t>и символи</a:t>
-            </a:r>
-            <a:r>
-              <a:rPr lang="en-US" dirty="0"/>
-              <a:t>: </a:t>
-            </a:r>
-            <a:r>
-              <a:rPr lang="en-US" b="1" dirty="0"/>
-              <a:t>'a'</a:t>
-            </a:r>
-            <a:r>
-              <a:rPr lang="en-US" dirty="0"/>
-              <a:t>,</a:t>
-            </a:r>
-            <a:r>
-              <a:rPr lang="en-US" b="1" dirty="0"/>
-              <a:t> '</a:t>
-            </a:r>
-            <a:r>
-              <a:rPr lang="bg-BG" b="1" dirty="0"/>
-              <a:t>Здрасти'</a:t>
-            </a:r>
-            <a:r>
-              <a:rPr lang="bg-BG" dirty="0"/>
-              <a:t>,</a:t>
-            </a:r>
-            <a:r>
-              <a:rPr lang="bg-BG" b="1" dirty="0"/>
-              <a:t>'</a:t>
-            </a:r>
-            <a:r>
-              <a:rPr lang="en-US" b="1" dirty="0"/>
-              <a:t>Hi</a:t>
-            </a:r>
-            <a:r>
-              <a:rPr lang="bg-BG" b="1" dirty="0"/>
-              <a:t>'</a:t>
-            </a:r>
-            <a:r>
-              <a:rPr lang="en-US" dirty="0"/>
-              <a:t>,</a:t>
-            </a:r>
-            <a:r>
-              <a:rPr lang="bg-BG" dirty="0"/>
-              <a:t> </a:t>
-            </a:r>
-            <a:r>
-              <a:rPr lang="en-US" dirty="0" smtClean="0">
-                <a:cs typeface="Consolas" pitchFamily="49" charset="0"/>
-              </a:rPr>
-              <a:t>…</a:t>
-            </a:r>
-            <a:endParaRPr lang="bg-BG" dirty="0" smtClean="0">
+            <a:endParaRPr lang="bg-BG" dirty="0">
               <a:cs typeface="Consolas" pitchFamily="49" charset="0"/>
             </a:endParaRPr>
           </a:p>
           <a:p>
             <a:pPr lvl="1"/>
             <a:r>
-              <a:rPr lang="en-US" dirty="0" smtClean="0">
+              <a:rPr lang="en-US" dirty="0">
                 <a:cs typeface="Consolas" pitchFamily="49" charset="0"/>
               </a:rPr>
               <a:t>͏</a:t>
             </a:r>
             <a:r>
-              <a:rPr lang="en-US" b="1" dirty="0" smtClean="0">
+              <a:rPr lang="en-US" b="1" dirty="0">
                 <a:solidFill>
                   <a:schemeClr val="bg1"/>
                 </a:solidFill>
@@ -10128,38 +10085,35 @@
               <a:t>bool</a:t>
             </a:r>
             <a:r>
-              <a:rPr lang="en-US" dirty="0" smtClean="0">
+              <a:rPr lang="en-US" dirty="0">
                 <a:cs typeface="Consolas" pitchFamily="49" charset="0"/>
               </a:rPr>
               <a:t> – </a:t>
             </a:r>
             <a:r>
-              <a:rPr lang="bg-BG" dirty="0" smtClean="0">
+              <a:rPr lang="bg-BG" dirty="0">
                 <a:cs typeface="Consolas" pitchFamily="49" charset="0"/>
               </a:rPr>
               <a:t>логическа стойност: </a:t>
             </a:r>
             <a:r>
-              <a:rPr lang="en-US" b="1" dirty="0" smtClean="0">
+              <a:rPr lang="en-US" b="1" dirty="0">
                 <a:cs typeface="Consolas" pitchFamily="49" charset="0"/>
               </a:rPr>
               <a:t>True</a:t>
             </a:r>
             <a:r>
-              <a:rPr lang="en-US" dirty="0" smtClean="0">
+              <a:rPr lang="en-US" dirty="0">
                 <a:cs typeface="Consolas" pitchFamily="49" charset="0"/>
               </a:rPr>
               <a:t>, </a:t>
             </a:r>
             <a:r>
-              <a:rPr lang="en-US" b="1" dirty="0" smtClean="0">
+              <a:rPr lang="en-US" b="1" dirty="0">
                 <a:cs typeface="Consolas" pitchFamily="49" charset="0"/>
               </a:rPr>
               <a:t>False</a:t>
             </a:r>
-            <a:endParaRPr lang="en-US" b="1" dirty="0">
-              <a:cs typeface="Consolas" pitchFamily="49" charset="0"/>
-            </a:endParaRPr>
           </a:p>
           <a:p>
             <a:r>
@@ -10211,7 +10165,7 @@
               <a:t> </a:t>
             </a:r>
             <a:r>
-              <a:rPr lang="ru-RU" b="1" dirty="0" smtClean="0">
+              <a:rPr lang="ru-RU" b="1" dirty="0">
                 <a:cs typeface="Consolas" pitchFamily="49" charset="0"/>
               </a:rPr>
               <a:t>присвоява</a:t>
@@ -10673,13 +10627,8 @@
           <a:p>
             <a:r>
               <a:rPr lang="bg-BG" dirty="0"/>
-              <a:t>Работа с </a:t>
-            </a:r>
-            <a:r>
-              <a:rPr lang="bg-BG" dirty="0" smtClean="0"/>
-              <a:t>конзола</a:t>
-            </a:r>
-            <a:endParaRPr lang="bg-BG" dirty="0"/>
+              <a:t>Работа с конзола</a:t>
+            </a:r>
           </a:p>
         </p:txBody>
       </p:sp>
@@ -10754,13 +10703,6 @@
       <p:transition spd="slow" advClick="0" advTm="5000"/>
     </mc:Fallback>
   </mc:AlternateContent>
-  <p:timing>
-    <p:tnLst>
-      <p:par>
-        <p:cTn id="1" dur="indefinite" restart="never" nodeType="tmRoot"/>
-      </p:par>
-    </p:tnLst>
-  </p:timing>
 </p:sld>
 </file>
 
@@ -10915,10 +10857,9 @@
               <a:t>Връща ни текстът, въведен от потребителя</a:t>
             </a:r>
             <a:r>
-              <a:rPr lang="en-US" sz="3200" dirty="0" smtClean="0"/>
+              <a:rPr lang="en-US" sz="3200" dirty="0"/>
               <a:t>​</a:t>
             </a:r>
-            <a:endParaRPr lang="en-US" sz="3200" dirty="0"/>
           </a:p>
         </p:txBody>
       </p:sp>
@@ -11518,8 +11459,8 @@
         </p:nvSpPr>
         <p:spPr bwMode="auto">
           <a:xfrm>
-            <a:off x="3531000" y="4053855"/>
-            <a:ext cx="2655000" cy="561485"/>
+            <a:off x="3216000" y="4053855"/>
+            <a:ext cx="2970000" cy="561485"/>
           </a:xfrm>
           <a:prstGeom prst="wedgeRoundRectCallout">
             <a:avLst>
@@ -11570,7 +11511,7 @@
           <a:p>
             <a:pPr algn="ctr"/>
             <a:r>
-              <a:rPr lang="bg-BG" sz="2800" b="1" dirty="0" smtClean="0">
+              <a:rPr lang="bg-BG" sz="2800" b="1" dirty="0">
                 <a:solidFill>
                   <a:srgbClr val="FFFFFF"/>
                 </a:solidFill>
@@ -11659,7 +11600,7 @@
           <a:p>
             <a:pPr algn="ctr"/>
             <a:r>
-              <a:rPr lang="bg-BG" sz="2800" b="1" dirty="0" smtClean="0">
+              <a:rPr lang="bg-BG" sz="2800" b="1" dirty="0">
                 <a:solidFill>
                   <a:srgbClr val="FFFFFF"/>
                 </a:solidFill>
@@ -12185,7 +12126,7 @@
               <a:t>цяло число</a:t>
             </a:r>
             <a:r>
-              <a:rPr lang="bg-BG" sz="3600" dirty="0" smtClean="0"/>
+              <a:rPr lang="bg-BG" sz="3600" dirty="0"/>
               <a:t>:</a:t>
             </a:r>
           </a:p>
@@ -12193,22 +12134,21 @@
             <a:endParaRPr lang="bg-BG" sz="3600" dirty="0"/>
           </a:p>
           <a:p>
-            <a:endParaRPr lang="bg-BG" sz="3600" dirty="0" smtClean="0"/>
-          </a:p>
-          <a:p>
-            <a:r>
-              <a:rPr lang="bg-BG" sz="3600" dirty="0" smtClean="0"/>
+            <a:endParaRPr lang="bg-BG" sz="3600" dirty="0"/>
+          </a:p>
+          <a:p>
+            <a:r>
+              <a:rPr lang="bg-BG" sz="3600" dirty="0"/>
               <a:t>Четене на </a:t>
             </a:r>
             <a:r>
-              <a:rPr lang="bg-BG" sz="3600" b="1" dirty="0" smtClean="0"/>
+              <a:rPr lang="bg-BG" sz="3600" b="1" dirty="0"/>
               <a:t>дробно число</a:t>
             </a:r>
             <a:r>
-              <a:rPr lang="bg-BG" sz="3600" dirty="0" smtClean="0"/>
+              <a:rPr lang="bg-BG" sz="3600" dirty="0"/>
               <a:t>:</a:t>
             </a:r>
-            <a:endParaRPr lang="bg-BG" sz="3600" dirty="0"/>
           </a:p>
         </p:txBody>
       </p:sp>
@@ -12829,7 +12769,7 @@
               </a:rPr>
               <a:t>Python</a:t>
             </a:r>
-            <a:endParaRPr lang="bg-BG" b="1" dirty="0" smtClean="0">
+            <a:endParaRPr lang="bg-BG" b="1" dirty="0">
               <a:solidFill>
                 <a:schemeClr val="bg1"/>
               </a:solidFill>
@@ -12841,17 +12781,17 @@
               <a:t>͏Първа програма с </a:t>
             </a:r>
             <a:r>
-              <a:rPr lang="en-US" dirty="0" smtClean="0"/>
+              <a:rPr lang="en-US" dirty="0"/>
               <a:t>Python</a:t>
             </a:r>
           </a:p>
           <a:p>
             <a:r>
-              <a:rPr lang="bg-BG" dirty="0" smtClean="0"/>
+              <a:rPr lang="bg-BG" dirty="0"/>
               <a:t>͏</a:t>
             </a:r>
             <a:r>
-              <a:rPr lang="bg-BG" b="1" dirty="0" smtClean="0">
+              <a:rPr lang="bg-BG" b="1" dirty="0">
                 <a:solidFill>
                   <a:schemeClr val="bg1"/>
                 </a:solidFill>
@@ -12859,18 +12799,18 @@
               <a:t>Променливи</a:t>
             </a:r>
             <a:r>
-              <a:rPr lang="bg-BG" dirty="0" smtClean="0"/>
+              <a:rPr lang="bg-BG" dirty="0"/>
               <a:t> и </a:t>
             </a:r>
             <a:r>
-              <a:rPr lang="bg-BG" b="1" dirty="0" smtClean="0">
+              <a:rPr lang="bg-BG" b="1" dirty="0">
                 <a:solidFill>
                   <a:schemeClr val="bg1"/>
                 </a:solidFill>
               </a:rPr>
               <a:t>типове данни</a:t>
             </a:r>
-            <a:endParaRPr lang="en-US" b="1" dirty="0" smtClean="0">
+            <a:endParaRPr lang="en-US" b="1" dirty="0">
               <a:solidFill>
                 <a:schemeClr val="bg1"/>
               </a:solidFill>
@@ -12878,59 +12818,42 @@
           </a:p>
           <a:p>
             <a:r>
-              <a:rPr lang="bg-BG" dirty="0" smtClean="0"/>
+              <a:rPr lang="bg-BG" dirty="0"/>
               <a:t>͏</a:t>
             </a:r>
             <a:r>
-              <a:rPr lang="bg-BG" b="1" dirty="0" smtClean="0"/>
+              <a:rPr lang="bg-BG" b="1" dirty="0"/>
               <a:t>Четене</a:t>
             </a:r>
             <a:r>
-              <a:rPr lang="bg-BG" dirty="0" smtClean="0"/>
-              <a:t> </a:t>
-            </a:r>
-            <a:r>
               <a:rPr lang="bg-BG" dirty="0"/>
-              <a:t>на </a:t>
+              <a:t> на </a:t>
             </a:r>
             <a:r>
               <a:rPr lang="bg-BG" b="1" dirty="0"/>
-              <a:t>потребителски </a:t>
-            </a:r>
-            <a:r>
-              <a:rPr lang="bg-BG" b="1" dirty="0" smtClean="0"/>
-              <a:t>вход</a:t>
+              <a:t>потребителски вход</a:t>
             </a:r>
           </a:p>
           <a:p>
             <a:r>
               <a:rPr lang="bg-BG" dirty="0"/>
-              <a:t>Прости </a:t>
-            </a:r>
-            <a:r>
-              <a:rPr lang="bg-BG" dirty="0" smtClean="0"/>
-              <a:t>операции</a:t>
-            </a:r>
-            <a:endParaRPr lang="en-US" dirty="0" smtClean="0"/>
-          </a:p>
-          <a:p>
-            <a:r>
-              <a:rPr lang="bg-BG" dirty="0" smtClean="0"/>
+              <a:t>Прости операции</a:t>
+            </a:r>
+            <a:endParaRPr lang="en-US" dirty="0"/>
+          </a:p>
+          <a:p>
+            <a:r>
+              <a:rPr lang="bg-BG" dirty="0"/>
               <a:t>͏</a:t>
             </a:r>
             <a:r>
-              <a:rPr lang="bg-BG" b="1" dirty="0" smtClean="0"/>
+              <a:rPr lang="bg-BG" b="1" dirty="0"/>
               <a:t>Печатане</a:t>
             </a:r>
             <a:r>
-              <a:rPr lang="bg-BG" dirty="0" smtClean="0"/>
-              <a:t> </a:t>
-            </a:r>
-            <a:r>
               <a:rPr lang="bg-BG" dirty="0"/>
-              <a:t>на конзолата</a:t>
-            </a:r>
-            <a:endParaRPr lang="bg-BG" dirty="0" smtClean="0"/>
+              <a:t> на конзолата</a:t>
+            </a:r>
           </a:p>
         </p:txBody>
       </p:sp>
@@ -13341,11 +13264,7 @@
           <a:p>
             <a:r>
               <a:rPr lang="ru-RU" dirty="0"/>
-              <a:t>Работа с текст и </a:t>
-            </a:r>
-            <a:r>
-              <a:rPr lang="ru-RU" dirty="0" smtClean="0"/>
-              <a:t>числа</a:t>
+              <a:t>Работа с текст и числа</a:t>
             </a:r>
             <a:endParaRPr lang="bg-BG" dirty="0"/>
           </a:p>
@@ -13422,13 +13341,6 @@
       <p:transition spd="slow" advClick="0" advTm="5000"/>
     </mc:Fallback>
   </mc:AlternateContent>
-  <p:timing>
-    <p:tnLst>
-      <p:par>
-        <p:cTn id="1" dur="indefinite" restart="never" nodeType="tmRoot"/>
-      </p:par>
-    </p:tnLst>
-  </p:timing>
 </p:sld>
 </file>
 
@@ -13593,13 +13505,8 @@
           <a:p>
             <a:r>
               <a:rPr lang="bg-BG" sz="3200" dirty="0"/>
-              <a:t>Примерен вход и изход</a:t>
-            </a:r>
-            <a:r>
-              <a:rPr lang="bg-BG" sz="3200" dirty="0" smtClean="0"/>
-              <a:t>:</a:t>
-            </a:r>
-            <a:endParaRPr lang="bg-BG" sz="3200" dirty="0"/>
+              <a:t>Примерен вход и изход:</a:t>
+            </a:r>
           </a:p>
         </p:txBody>
       </p:sp>
@@ -13683,16 +13590,12 @@
               <a:buSzPct val="70000"/>
             </a:pPr>
             <a:r>
-              <a:rPr lang="en-US" sz="2800" b="1" noProof="1" smtClean="0">
+              <a:rPr lang="en-US" sz="2800" b="1" noProof="1">
                 <a:latin typeface="Consolas" pitchFamily="49" charset="0"/>
                 <a:cs typeface="Consolas" pitchFamily="49" charset="0"/>
               </a:rPr>
               <a:t>Petar</a:t>
             </a:r>
-            <a:endParaRPr lang="en-US" sz="2800" b="1" noProof="1">
-              <a:latin typeface="Consolas" pitchFamily="49" charset="0"/>
-              <a:cs typeface="Consolas" pitchFamily="49" charset="0"/>
-            </a:endParaRPr>
           </a:p>
         </p:txBody>
       </p:sp>
@@ -15331,7 +15234,7 @@
               <a:t>)</a:t>
             </a:r>
             <a:r>
-              <a:rPr lang="bg-BG" dirty="0" smtClean="0"/>
+              <a:rPr lang="bg-BG" dirty="0"/>
               <a:t>:</a:t>
             </a:r>
             <a:endParaRPr lang="en-US" dirty="0"/>
@@ -16925,7 +16828,7 @@
             <a:endParaRPr lang="en-US" dirty="0"/>
           </a:p>
           <a:p>
-            <a:endParaRPr lang="bg-BG" dirty="0" smtClean="0"/>
+            <a:endParaRPr lang="bg-BG" dirty="0"/>
           </a:p>
           <a:p>
             <a:endParaRPr lang="bg-BG" dirty="0"/>
@@ -17079,7 +16982,7 @@
               <a:buSzPct val="70000"/>
             </a:pPr>
             <a:r>
-              <a:rPr lang="nn-NO" sz="2400" b="1" noProof="1" smtClean="0">
+              <a:rPr lang="nn-NO" sz="2400" b="1" noProof="1">
                 <a:latin typeface="Consolas" pitchFamily="49" charset="0"/>
                 <a:cs typeface="Consolas" pitchFamily="49" charset="0"/>
               </a:rPr>
@@ -17097,7 +17000,7 @@
               <a:buSzPct val="70000"/>
             </a:pPr>
             <a:r>
-              <a:rPr lang="nn-NO" sz="2400" b="1" noProof="1" smtClean="0">
+              <a:rPr lang="nn-NO" sz="2400" b="1" noProof="1">
                 <a:latin typeface="Consolas" pitchFamily="49" charset="0"/>
                 <a:cs typeface="Consolas" pitchFamily="49" charset="0"/>
               </a:rPr>
@@ -17115,28 +17018,28 @@
               <a:buSzPct val="70000"/>
             </a:pPr>
             <a:r>
-              <a:rPr lang="en-US" sz="2400" b="1" noProof="1" smtClean="0">
+              <a:rPr lang="en-US" sz="2400" b="1" noProof="1">
                 <a:latin typeface="Consolas" pitchFamily="49" charset="0"/>
                 <a:cs typeface="Consolas" pitchFamily="49" charset="0"/>
               </a:rPr>
               <a:t>sum</a:t>
             </a:r>
             <a:r>
-              <a:rPr lang="bg-BG" sz="2400" b="1" noProof="1" smtClean="0">
+              <a:rPr lang="bg-BG" sz="2400" b="1" noProof="1">
                 <a:latin typeface="Consolas" pitchFamily="49" charset="0"/>
                 <a:cs typeface="Consolas" pitchFamily="49" charset="0"/>
               </a:rPr>
               <a:t> </a:t>
             </a:r>
             <a:r>
-              <a:rPr lang="en-US" sz="2400" b="1" noProof="1" smtClean="0">
+              <a:rPr lang="en-US" sz="2400" b="1" noProof="1">
                 <a:latin typeface="Consolas" pitchFamily="49" charset="0"/>
                 <a:cs typeface="Consolas" pitchFamily="49" charset="0"/>
               </a:rPr>
               <a:t>= a </a:t>
             </a:r>
             <a:r>
-              <a:rPr lang="en-US" sz="2400" b="1" noProof="1" smtClean="0">
+              <a:rPr lang="en-US" sz="2400" b="1" noProof="1">
                 <a:solidFill>
                   <a:schemeClr val="bg1"/>
                 </a:solidFill>
@@ -17146,14 +17049,14 @@
               <a:t>+</a:t>
             </a:r>
             <a:r>
-              <a:rPr lang="en-US" sz="2400" b="1" noProof="1" smtClean="0">
+              <a:rPr lang="en-US" sz="2400" b="1" noProof="1">
                 <a:latin typeface="Consolas" pitchFamily="49" charset="0"/>
                 <a:cs typeface="Consolas" pitchFamily="49" charset="0"/>
               </a:rPr>
               <a:t> b</a:t>
             </a:r>
             <a:r>
-              <a:rPr lang="en-US" sz="2400" b="1" i="1" noProof="1" smtClean="0">
+              <a:rPr lang="en-US" sz="2400" b="1" i="1" noProof="1">
                 <a:latin typeface="Consolas" pitchFamily="49" charset="0"/>
                 <a:cs typeface="Consolas" pitchFamily="49" charset="0"/>
               </a:rPr>
@@ -17334,16 +17237,9 @@
                 <a:latin typeface="Consolas" pitchFamily="49" charset="0"/>
                 <a:cs typeface="Consolas" pitchFamily="49" charset="0"/>
               </a:rPr>
-              <a:t> </a:t>
-            </a:r>
-            <a:r>
-              <a:rPr lang="en-US" sz="2400" b="1" noProof="1" smtClean="0">
-                <a:latin typeface="Consolas" pitchFamily="49" charset="0"/>
-                <a:cs typeface="Consolas" pitchFamily="49" charset="0"/>
-              </a:rPr>
-              <a:t>b</a:t>
-            </a:r>
-            <a:endParaRPr lang="bg-BG" sz="2400" b="1" noProof="1" smtClean="0">
+              <a:t> b</a:t>
+            </a:r>
+            <a:endParaRPr lang="bg-BG" sz="2400" b="1" noProof="1">
               <a:latin typeface="Consolas" pitchFamily="49" charset="0"/>
               <a:cs typeface="Consolas" pitchFamily="49" charset="0"/>
             </a:endParaRPr>
@@ -17363,14 +17259,7 @@
                 <a:latin typeface="Consolas" pitchFamily="49" charset="0"/>
                 <a:cs typeface="Consolas" pitchFamily="49" charset="0"/>
               </a:rPr>
-              <a:t>print(result</a:t>
-            </a:r>
-            <a:r>
-              <a:rPr lang="en-US" sz="2400" b="1" noProof="1" smtClean="0">
-                <a:latin typeface="Consolas" pitchFamily="49" charset="0"/>
-                <a:cs typeface="Consolas" pitchFamily="49" charset="0"/>
-              </a:rPr>
-              <a:t>)</a:t>
+              <a:t>print(result)</a:t>
             </a:r>
             <a:endParaRPr lang="nn-NO" sz="2400" b="1" noProof="1">
               <a:latin typeface="Consolas" pitchFamily="49" charset="0"/>
@@ -18046,7 +17935,7 @@
             </a:r>
           </a:p>
           <a:p>
-            <a:endParaRPr lang="bg-BG" dirty="0" smtClean="0"/>
+            <a:endParaRPr lang="bg-BG" dirty="0"/>
           </a:p>
           <a:p>
             <a:endParaRPr lang="bg-BG" dirty="0"/>
@@ -19545,7 +19434,7 @@
               <a:t>)</a:t>
             </a:r>
             <a:r>
-              <a:rPr lang="bg-BG" sz="3600" dirty="0" smtClean="0"/>
+              <a:rPr lang="bg-BG" sz="3600" dirty="0"/>
               <a:t>:</a:t>
             </a:r>
             <a:endParaRPr lang="en-US" sz="3600" dirty="0"/>
@@ -20992,13 +20881,6 @@
       <p:transition spd="slow" advClick="0" advTm="5000"/>
     </mc:Fallback>
   </mc:AlternateContent>
-  <p:timing>
-    <p:tnLst>
-      <p:par>
-        <p:cTn id="1" dur="indefinite" restart="never" nodeType="tmRoot"/>
-      </p:par>
-    </p:tnLst>
-  </p:timing>
 </p:sld>
 </file>
 
@@ -21060,15 +20942,7 @@
             </a:r>
             <a:r>
               <a:rPr lang="bg-BG" sz="3600" dirty="0"/>
-              <a:t> която се </a:t>
-            </a:r>
-            <a:r>
-              <a:rPr lang="bg-BG" sz="3600" dirty="0" smtClean="0"/>
-              <a:t>означава </a:t>
-            </a:r>
-            <a:r>
-              <a:rPr lang="bg-BG" sz="3600" dirty="0"/>
-              <a:t>със символа '</a:t>
+              <a:t> която се означава със символа '</a:t>
             </a:r>
             <a:r>
               <a:rPr lang="en-US" sz="3600" b="1" dirty="0">
@@ -21083,7 +20957,7 @@
               <a:t>'</a:t>
             </a:r>
             <a:r>
-              <a:rPr lang="en-US" sz="3600" dirty="0" smtClean="0"/>
+              <a:rPr lang="en-US" sz="3600" dirty="0"/>
               <a:t>:</a:t>
             </a:r>
             <a:endParaRPr lang="bg-BG" sz="3600" dirty="0"/>
@@ -21266,15 +21140,9 @@
               <a:rPr lang="it-IT" sz="2800" b="1" noProof="1">
                 <a:latin typeface="Consolas" pitchFamily="49" charset="0"/>
               </a:rPr>
-              <a:t>input</a:t>
-            </a:r>
-            <a:r>
-              <a:rPr lang="it-IT" sz="2800" b="1" noProof="1" smtClean="0">
-                <a:latin typeface="Consolas" pitchFamily="49" charset="0"/>
-              </a:rPr>
-              <a:t>()</a:t>
-            </a:r>
-            <a:endParaRPr lang="bg-BG" sz="2800" b="1" noProof="1" smtClean="0">
+              <a:t>input()</a:t>
+            </a:r>
+            <a:endParaRPr lang="bg-BG" sz="2800" b="1" noProof="1">
               <a:latin typeface="Consolas" pitchFamily="49" charset="0"/>
             </a:endParaRPr>
           </a:p>
@@ -21886,7 +21754,7 @@
               <a:t>заредим</a:t>
             </a:r>
             <a:r>
-              <a:rPr lang="ru-RU" dirty="0" smtClean="0"/>
+              <a:rPr lang="ru-RU" dirty="0"/>
               <a:t>":</a:t>
             </a:r>
           </a:p>
@@ -22665,14 +22533,13 @@
           <a:lstStyle/>
           <a:p>
             <a:r>
-              <a:rPr lang="bg-BG" dirty="0" smtClean="0"/>
+              <a:rPr lang="bg-BG" dirty="0"/>
               <a:t>Интересни факти за ͏</a:t>
             </a:r>
             <a:r>
-              <a:rPr lang="en-US" dirty="0" smtClean="0"/>
+              <a:rPr lang="en-US" dirty="0"/>
               <a:t>Python</a:t>
             </a:r>
-            <a:endParaRPr lang="en-US" dirty="0"/>
           </a:p>
         </p:txBody>
       </p:sp>
@@ -22733,13 +22600,6 @@
       <p:transition spd="slow" advClick="0" advTm="5000"/>
     </mc:Fallback>
   </mc:AlternateContent>
-  <p:timing>
-    <p:tnLst>
-      <p:par>
-        <p:cTn id="1" dur="indefinite" restart="never" nodeType="tmRoot"/>
-      </p:par>
-    </p:tnLst>
-  </p:timing>
 </p:sld>
 </file>
 
@@ -23411,7 +23271,7 @@
               </a:buClr>
             </a:pPr>
             <a:r>
-              <a:rPr lang="bg-BG" sz="3200" dirty="0" smtClean="0">
+              <a:rPr lang="bg-BG" sz="3200" dirty="0">
                 <a:solidFill>
                   <a:schemeClr val="bg2"/>
                 </a:solidFill>
@@ -23419,7 +23279,7 @@
               <a:t>Основни</a:t>
             </a:r>
             <a:r>
-              <a:rPr lang="bg-BG" sz="3200" b="1" dirty="0" smtClean="0">
+              <a:rPr lang="bg-BG" sz="3200" b="1" dirty="0">
                 <a:solidFill>
                   <a:schemeClr val="bg2"/>
                 </a:solidFill>
@@ -23437,7 +23297,7 @@
               </a:buClr>
             </a:pPr>
             <a:r>
-              <a:rPr lang="en-US" sz="2800" b="1" dirty="0" smtClean="0">
+              <a:rPr lang="en-US" sz="2800" b="1" dirty="0">
                 <a:solidFill>
                   <a:schemeClr val="accent1">
                     <a:lumMod val="60000"/>
@@ -23448,7 +23308,7 @@
               <a:t>int</a:t>
             </a:r>
             <a:r>
-              <a:rPr lang="en-US" sz="2800" dirty="0" smtClean="0">
+              <a:rPr lang="en-US" sz="2800" dirty="0">
                 <a:solidFill>
                   <a:schemeClr val="bg2"/>
                 </a:solidFill>
@@ -23456,7 +23316,7 @@
               <a:t>, </a:t>
             </a:r>
             <a:r>
-              <a:rPr lang="en-US" sz="2800" b="1" dirty="0" smtClean="0">
+              <a:rPr lang="en-US" sz="2800" b="1" dirty="0">
                 <a:solidFill>
                   <a:schemeClr val="accent1">
                     <a:lumMod val="60000"/>
@@ -23467,7 +23327,7 @@
               <a:t>float</a:t>
             </a:r>
             <a:r>
-              <a:rPr lang="en-US" sz="2800" dirty="0" smtClean="0">
+              <a:rPr lang="en-US" sz="2800" dirty="0">
                 <a:solidFill>
                   <a:schemeClr val="bg2"/>
                 </a:solidFill>
@@ -23475,7 +23335,7 @@
               <a:t>, </a:t>
             </a:r>
             <a:r>
-              <a:rPr lang="en-US" sz="2800" b="1" dirty="0" smtClean="0">
+              <a:rPr lang="en-US" sz="2800" b="1" dirty="0">
                 <a:solidFill>
                   <a:schemeClr val="accent1">
                     <a:lumMod val="60000"/>
@@ -23486,7 +23346,7 @@
               <a:t>str</a:t>
             </a:r>
             <a:r>
-              <a:rPr lang="en-US" sz="2800" dirty="0" smtClean="0">
+              <a:rPr lang="en-US" sz="2800" dirty="0">
                 <a:solidFill>
                   <a:schemeClr val="bg2"/>
                 </a:solidFill>
@@ -23494,7 +23354,7 @@
               <a:t>, </a:t>
             </a:r>
             <a:r>
-              <a:rPr lang="en-US" sz="2800" b="1" dirty="0" smtClean="0">
+              <a:rPr lang="en-US" sz="2800" b="1" dirty="0">
                 <a:solidFill>
                   <a:schemeClr val="accent1">
                     <a:lumMod val="60000"/>
@@ -23504,7 +23364,7 @@
               </a:rPr>
               <a:t>bool</a:t>
             </a:r>
-            <a:endParaRPr lang="bg-BG" sz="2800" b="1" dirty="0" smtClean="0">
+            <a:endParaRPr lang="bg-BG" sz="2800" b="1" dirty="0">
               <a:solidFill>
                 <a:schemeClr val="accent1">
                   <a:lumMod val="60000"/>
@@ -23552,34 +23412,26 @@
                   <a:schemeClr val="bg2"/>
                 </a:solidFill>
               </a:rPr>
-              <a:t>потребителски </a:t>
-            </a:r>
-            <a:r>
-              <a:rPr lang="bg-BG" sz="3200" dirty="0" smtClean="0">
+              <a:t>потребителски вход</a:t>
+            </a:r>
+            <a:r>
+              <a:rPr lang="en-US" sz="3200" dirty="0">
                 <a:solidFill>
                   <a:schemeClr val="bg2"/>
                 </a:solidFill>
               </a:rPr>
-              <a:t>вход</a:t>
-            </a:r>
-            <a:r>
-              <a:rPr lang="en-US" sz="3200" dirty="0" smtClean="0">
+              <a:t> </a:t>
+            </a:r>
+            <a:r>
+              <a:rPr lang="bg-BG" sz="3200" dirty="0">
                 <a:solidFill>
                   <a:schemeClr val="bg2"/>
                 </a:solidFill>
               </a:rPr>
-              <a:t> </a:t>
-            </a:r>
-            <a:r>
-              <a:rPr lang="bg-BG" sz="3200" dirty="0" smtClean="0">
-                <a:solidFill>
-                  <a:schemeClr val="bg2"/>
-                </a:solidFill>
-              </a:rPr>
               <a:t>– </a:t>
             </a:r>
             <a:r>
-              <a:rPr lang="en-US" sz="3200" b="1" dirty="0" smtClean="0">
+              <a:rPr lang="en-US" sz="3200" b="1" dirty="0">
                 <a:solidFill>
                   <a:schemeClr val="accent1">
                     <a:lumMod val="60000"/>
@@ -23600,7 +23452,7 @@
               </a:buClr>
             </a:pPr>
             <a:r>
-              <a:rPr lang="bg-BG" sz="3200" b="1" dirty="0" smtClean="0">
+              <a:rPr lang="bg-BG" sz="3200" b="1" dirty="0">
                 <a:solidFill>
                   <a:schemeClr val="bg2"/>
                 </a:solidFill>
@@ -23608,7 +23460,7 @@
               <a:t>Печатане</a:t>
             </a:r>
             <a:r>
-              <a:rPr lang="bg-BG" sz="3200" dirty="0" smtClean="0">
+              <a:rPr lang="bg-BG" sz="3200" dirty="0">
                 <a:solidFill>
                   <a:schemeClr val="bg2"/>
                 </a:solidFill>
@@ -23616,7 +23468,7 @@
               <a:t> на конзолата</a:t>
             </a:r>
             <a:r>
-              <a:rPr lang="en-US" sz="3200" dirty="0" smtClean="0">
+              <a:rPr lang="en-US" sz="3200" dirty="0">
                 <a:solidFill>
                   <a:schemeClr val="bg2"/>
                 </a:solidFill>
@@ -23624,7 +23476,7 @@
               <a:t> – </a:t>
             </a:r>
             <a:r>
-              <a:rPr lang="en-US" sz="3200" b="1" dirty="0" smtClean="0">
+              <a:rPr lang="en-US" sz="3200" b="1" dirty="0">
                 <a:solidFill>
                   <a:schemeClr val="accent1">
                     <a:lumMod val="60000"/>
@@ -23634,7 +23486,7 @@
               </a:rPr>
               <a:t>print()</a:t>
             </a:r>
-            <a:endParaRPr lang="bg-BG" sz="3200" b="1" dirty="0" smtClean="0">
+            <a:endParaRPr lang="bg-BG" sz="3200" b="1" dirty="0">
               <a:solidFill>
                 <a:schemeClr val="accent1">
                   <a:lumMod val="60000"/>
@@ -23653,50 +23505,34 @@
               </a:buClr>
             </a:pPr>
             <a:r>
-              <a:rPr lang="bg-BG" sz="3200" b="1" dirty="0" smtClean="0">
+              <a:rPr lang="bg-BG" sz="3200" b="1" dirty="0">
                 <a:solidFill>
                   <a:schemeClr val="bg2"/>
                 </a:solidFill>
               </a:rPr>
-              <a:t>Аритметичните </a:t>
-            </a:r>
-            <a:r>
-              <a:rPr lang="bg-BG" sz="3200" b="1" dirty="0">
+              <a:t>Аритметичните операции </a:t>
+            </a:r>
+            <a:r>
+              <a:rPr lang="bg-BG" sz="3200" dirty="0">
                 <a:solidFill>
                   <a:schemeClr val="bg2"/>
                 </a:solidFill>
               </a:rPr>
-              <a:t>операции </a:t>
-            </a:r>
-            <a:r>
-              <a:rPr lang="bg-BG" sz="3200" dirty="0">
+              <a:t>с числа: </a:t>
+            </a:r>
+          </a:p>
+          <a:p>
+            <a:pPr lvl="1"/>
+            <a:r>
+              <a:rPr lang="en-US" sz="2800" b="1" dirty="0">
                 <a:solidFill>
                   <a:schemeClr val="bg2"/>
                 </a:solidFill>
               </a:rPr>
-              <a:t>с </a:t>
-            </a:r>
-            <a:r>
-              <a:rPr lang="bg-BG" sz="3200" dirty="0" smtClean="0">
-                <a:solidFill>
-                  <a:schemeClr val="bg2"/>
-                </a:solidFill>
-              </a:rPr>
-              <a:t>числа: </a:t>
-            </a:r>
-          </a:p>
-          <a:p>
-            <a:pPr lvl="1"/>
-            <a:r>
-              <a:rPr lang="en-US" sz="2800" b="1" dirty="0" smtClean="0">
-                <a:solidFill>
-                  <a:schemeClr val="bg2"/>
-                </a:solidFill>
-              </a:rPr>
               <a:t>͏</a:t>
             </a:r>
             <a:r>
-              <a:rPr lang="en-US" sz="2800" b="1" dirty="0" smtClean="0">
+              <a:rPr lang="en-US" sz="2800" b="1" dirty="0">
                 <a:solidFill>
                   <a:schemeClr val="accent1">
                     <a:lumMod val="60000"/>
@@ -23707,7 +23543,7 @@
               <a:t>+</a:t>
             </a:r>
             <a:r>
-              <a:rPr lang="en-US" sz="2800" dirty="0" smtClean="0">
+              <a:rPr lang="en-US" sz="2800" dirty="0">
                 <a:solidFill>
                   <a:schemeClr val="bg2"/>
                 </a:solidFill>
@@ -23818,7 +23654,7 @@
               <a:t>, </a:t>
             </a:r>
             <a:r>
-              <a:rPr lang="en-US" sz="2800" b="1" dirty="0" smtClean="0">
+              <a:rPr lang="en-US" sz="2800" b="1" dirty="0">
                 <a:solidFill>
                   <a:schemeClr val="accent1">
                     <a:lumMod val="60000"/>
@@ -23828,7 +23664,7 @@
               </a:rPr>
               <a:t>()</a:t>
             </a:r>
-            <a:endParaRPr lang="bg-BG" sz="2800" b="1" dirty="0" smtClean="0">
+            <a:endParaRPr lang="bg-BG" sz="2800" b="1" dirty="0">
               <a:solidFill>
                 <a:schemeClr val="accent1">
                   <a:lumMod val="60000"/>
@@ -23839,7 +23675,7 @@
           </a:p>
           <a:p>
             <a:r>
-              <a:rPr lang="bg-BG" sz="3000" dirty="0" smtClean="0">
+              <a:rPr lang="bg-BG" sz="3000" dirty="0">
                 <a:solidFill>
                   <a:schemeClr val="bg2"/>
                 </a:solidFill>
@@ -23847,7 +23683,7 @@
               <a:t>Зареждане на </a:t>
             </a:r>
             <a:r>
-              <a:rPr lang="bg-BG" sz="3000" b="1" dirty="0" smtClean="0">
+              <a:rPr lang="bg-BG" sz="3000" b="1" dirty="0">
                 <a:solidFill>
                   <a:schemeClr val="bg2"/>
                 </a:solidFill>
@@ -24321,7 +24157,7 @@
                 <a:hlinkClick r:id="rId3">
                   <a:extLst>
                     <a:ext uri="{A12FA001-AC4F-418D-AE19-62706E023703}">
-                      <ahyp:hlinkClr xmlns="" xmlns:ahyp="http://schemas.microsoft.com/office/drawing/2018/hyperlinkcolor" val="tx"/>
+                      <ahyp:hlinkClr xmlns:ahyp="http://schemas.microsoft.com/office/drawing/2018/hyperlinkcolor" val="tx"/>
                     </a:ext>
                   </a:extLst>
                 </a:hlinkClick>
@@ -24394,13 +24230,6 @@
       <p:transition spd="slow" advClick="0" advTm="5000"/>
     </mc:Fallback>
   </mc:AlternateContent>
-  <p:timing>
-    <p:tnLst>
-      <p:par>
-        <p:cTn id="1" dur="indefinite" restart="never" nodeType="tmRoot"/>
-      </p:par>
-    </p:tnLst>
-  </p:timing>
 </p:sld>
 </file>
 
@@ -24784,13 +24613,6 @@
       <p:transition spd="slow" advClick="0" advTm="5000"/>
     </mc:Fallback>
   </mc:AlternateContent>
-  <p:timing>
-    <p:tnLst>
-      <p:par>
-        <p:cTn id="1" dur="indefinite" restart="never" nodeType="tmRoot"/>
-      </p:par>
-    </p:tnLst>
-  </p:timing>
 </p:sld>
 </file>
 
@@ -24832,11 +24654,11 @@
           <a:lstStyle/>
           <a:p>
             <a:r>
-              <a:rPr lang="ru-RU" dirty="0" smtClean="0"/>
+              <a:rPr lang="ru-RU" dirty="0"/>
               <a:t>͏</a:t>
             </a:r>
             <a:r>
-              <a:rPr lang="ru-RU" b="1" dirty="0" smtClean="0">
+              <a:rPr lang="ru-RU" b="1" dirty="0">
                 <a:solidFill>
                   <a:schemeClr val="bg1"/>
                 </a:solidFill>
@@ -24844,57 +24666,37 @@
               <a:t>Python</a:t>
             </a:r>
             <a:r>
-              <a:rPr lang="ru-RU" dirty="0" smtClean="0"/>
+              <a:rPr lang="ru-RU" dirty="0"/>
               <a:t> </a:t>
             </a:r>
             <a:r>
-              <a:rPr lang="en-US" dirty="0" smtClean="0"/>
+              <a:rPr lang="en-US" dirty="0"/>
               <a:t>–</a:t>
             </a:r>
             <a:r>
-              <a:rPr lang="ru-RU" dirty="0" smtClean="0"/>
-              <a:t> </a:t>
-            </a:r>
-            <a:r>
               <a:rPr lang="ru-RU" dirty="0"/>
-              <a:t>език за програмиране от </a:t>
+              <a:t> език за програмиране от </a:t>
             </a:r>
             <a:r>
               <a:rPr lang="ru-RU" b="1" dirty="0"/>
-              <a:t>високо </a:t>
-            </a:r>
-            <a:r>
-              <a:rPr lang="ru-RU" b="1" dirty="0" smtClean="0"/>
-              <a:t>ниво</a:t>
-            </a:r>
-            <a:endParaRPr lang="en-US" b="1" dirty="0" smtClean="0"/>
+              <a:t>високо ниво</a:t>
+            </a:r>
+            <a:endParaRPr lang="en-US" b="1" dirty="0"/>
           </a:p>
           <a:p>
             <a:pPr lvl="1"/>
             <a:r>
-              <a:rPr lang="bg-BG" dirty="0" smtClean="0"/>
+              <a:rPr lang="bg-BG" dirty="0"/>
               <a:t>Създаден от </a:t>
-            </a:r>
-            <a:r>
-              <a:rPr lang="bg-BG" dirty="0" smtClean="0">
-                <a:hlinkClick r:id="rId2"/>
-              </a:rPr>
-              <a:t>Гуидо </a:t>
             </a:r>
             <a:r>
               <a:rPr lang="bg-BG" dirty="0">
                 <a:hlinkClick r:id="rId2"/>
               </a:rPr>
-              <a:t>ван </a:t>
-            </a:r>
-            <a:r>
-              <a:rPr lang="bg-BG" dirty="0" smtClean="0">
-                <a:hlinkClick r:id="rId2"/>
-              </a:rPr>
-              <a:t>Росум</a:t>
-            </a:r>
-            <a:r>
-              <a:rPr lang="en-US" dirty="0" smtClean="0"/>
+              <a:t>Гуидо ван Росум</a:t>
+            </a:r>
+            <a:r>
+              <a:rPr lang="en-US" dirty="0"/>
               <a:t> </a:t>
             </a:r>
             <a:r>
@@ -24907,13 +24709,9 @@
             </a:r>
             <a:r>
               <a:rPr lang="ru-RU" dirty="0"/>
-              <a:t> </a:t>
-            </a:r>
-            <a:r>
-              <a:rPr lang="ru-RU" dirty="0" smtClean="0"/>
-              <a:t>години</a:t>
-            </a:r>
-            <a:endParaRPr lang="en-US" dirty="0" smtClean="0"/>
+              <a:t> години</a:t>
+            </a:r>
+            <a:endParaRPr lang="en-US" dirty="0"/>
           </a:p>
           <a:p>
             <a:r>
@@ -25012,7 +24810,7 @@
             </a:r>
           </a:p>
           <a:p>
-            <a:endParaRPr lang="en-US" dirty="0" smtClean="0"/>
+            <a:endParaRPr lang="en-US" dirty="0"/>
           </a:p>
           <a:p>
             <a:pPr lvl="1"/>
@@ -25361,10 +25159,9 @@
               <a:t>͏Първа програма с </a:t>
             </a:r>
             <a:r>
-              <a:rPr lang="en-US" dirty="0" smtClean="0"/>
+              <a:rPr lang="en-US" dirty="0"/>
               <a:t>Python</a:t>
             </a:r>
-            <a:endParaRPr lang="en-US" dirty="0"/>
           </a:p>
         </p:txBody>
       </p:sp>
@@ -25423,13 +25220,6 @@
       <p:transition spd="slow" advClick="0" advTm="5000"/>
     </mc:Fallback>
   </mc:AlternateContent>
-  <p:timing>
-    <p:tnLst>
-      <p:par>
-        <p:cTn id="1" dur="indefinite" restart="never" nodeType="tmRoot"/>
-      </p:par>
-    </p:tnLst>
-  </p:timing>
 </p:sld>
 </file>
 
@@ -25466,42 +25256,34 @@
           <a:lstStyle/>
           <a:p>
             <a:r>
-              <a:rPr lang="bg-BG" sz="3200" dirty="0" smtClean="0"/>
+              <a:rPr lang="bg-BG" sz="3200" dirty="0"/>
               <a:t>За обучението ни с </a:t>
             </a:r>
             <a:r>
-              <a:rPr lang="en-US" sz="3200" b="1" dirty="0" smtClean="0"/>
+              <a:rPr lang="en-US" sz="3200" b="1" dirty="0"/>
               <a:t>Python</a:t>
             </a:r>
             <a:r>
               <a:rPr lang="bg-BG" sz="3200" dirty="0"/>
-              <a:t> </a:t>
-            </a:r>
-            <a:r>
-              <a:rPr lang="bg-BG" sz="3200" dirty="0" smtClean="0"/>
-              <a:t>ще използваме </a:t>
-            </a:r>
-            <a:r>
-              <a:rPr lang="bg-BG" sz="3200" b="1" dirty="0" smtClean="0"/>
+              <a:t> ще използваме </a:t>
+            </a:r>
+            <a:r>
+              <a:rPr lang="bg-BG" sz="3200" b="1" dirty="0"/>
               <a:t>средата за разработка </a:t>
             </a:r>
             <a:r>
-              <a:rPr lang="en-US" sz="3200" dirty="0" smtClean="0"/>
-              <a:t>–</a:t>
-            </a:r>
-            <a:r>
               <a:rPr lang="en-US" sz="3200" dirty="0"/>
-              <a:t> </a:t>
-            </a:r>
-            <a:r>
-              <a:rPr lang="en-US" sz="3200" b="1" dirty="0" smtClean="0">
+              <a:t>– </a:t>
+            </a:r>
+            <a:r>
+              <a:rPr lang="en-US" sz="3200" b="1" dirty="0">
                 <a:solidFill>
                   <a:schemeClr val="bg1"/>
                 </a:solidFill>
               </a:rPr>
               <a:t>Thonny</a:t>
             </a:r>
-            <a:endParaRPr lang="bg-BG" sz="3200" b="1" dirty="0" smtClean="0">
+            <a:endParaRPr lang="bg-BG" sz="3200" b="1" dirty="0">
               <a:solidFill>
                 <a:schemeClr val="bg1"/>
               </a:solidFill>
@@ -25509,31 +25291,31 @@
           </a:p>
           <a:p>
             <a:r>
-              <a:rPr lang="bg-BG" sz="3200" dirty="0" smtClean="0"/>
+              <a:rPr lang="bg-BG" sz="3200" dirty="0"/>
               <a:t>Линк за</a:t>
             </a:r>
             <a:r>
-              <a:rPr lang="en-US" sz="3200" dirty="0" smtClean="0"/>
+              <a:rPr lang="en-US" sz="3200" dirty="0"/>
               <a:t> </a:t>
             </a:r>
             <a:r>
-              <a:rPr lang="bg-BG" sz="3200" b="1" dirty="0" smtClean="0"/>
+              <a:rPr lang="bg-BG" sz="3200" b="1" dirty="0"/>
               <a:t>сваляне </a:t>
             </a:r>
             <a:r>
-              <a:rPr lang="bg-BG" sz="3200" dirty="0" smtClean="0"/>
+              <a:rPr lang="bg-BG" sz="3200" dirty="0"/>
               <a:t>на</a:t>
             </a:r>
             <a:r>
-              <a:rPr lang="en-US" sz="3200" b="1" dirty="0" smtClean="0"/>
+              <a:rPr lang="en-US" sz="3200" b="1" dirty="0"/>
               <a:t> Thonny</a:t>
             </a:r>
             <a:r>
-              <a:rPr lang="bg-BG" sz="3200" b="1" dirty="0" smtClean="0"/>
+              <a:rPr lang="bg-BG" sz="3200" b="1" dirty="0"/>
               <a:t> </a:t>
             </a:r>
             <a:r>
-              <a:rPr lang="en-US" sz="3200" b="1" dirty="0" smtClean="0"/>
+              <a:rPr lang="en-US" sz="3200" b="1" dirty="0"/>
               <a:t>IDE </a:t>
             </a:r>
             <a:r>
@@ -25541,15 +25323,15 @@
               <a:t>– </a:t>
             </a:r>
             <a:r>
-              <a:rPr lang="en-US" sz="3200" dirty="0" smtClean="0">
+              <a:rPr lang="en-US" sz="3200" dirty="0">
                 <a:hlinkClick r:id="rId2"/>
               </a:rPr>
               <a:t>https://thonny.org</a:t>
             </a:r>
-            <a:endParaRPr lang="bg-BG" sz="3200" dirty="0" smtClean="0"/>
-          </a:p>
-          <a:p>
-            <a:endParaRPr lang="en-US" sz="3200" dirty="0" smtClean="0"/>
+            <a:endParaRPr lang="bg-BG" sz="3200" dirty="0"/>
+          </a:p>
+          <a:p>
+            <a:endParaRPr lang="en-US" sz="3200" dirty="0"/>
           </a:p>
           <a:p>
             <a:endParaRPr lang="en-US" dirty="0"/>
@@ -25572,7 +25354,7 @@
           <a:lstStyle/>
           <a:p>
             <a:r>
-              <a:rPr lang="bg-BG" dirty="0" smtClean="0"/>
+              <a:rPr lang="bg-BG" dirty="0"/>
               <a:t>Среда за разработка</a:t>
             </a:r>
             <a:endParaRPr lang="en-US" dirty="0"/>
@@ -25836,23 +25618,23 @@
           <a:lstStyle/>
           <a:p>
             <a:r>
-              <a:rPr lang="bg-BG" dirty="0" smtClean="0"/>
+              <a:rPr lang="bg-BG" dirty="0"/>
               <a:t>Елементи на</a:t>
             </a:r>
             <a:r>
-              <a:rPr lang="en-US" dirty="0" smtClean="0"/>
+              <a:rPr lang="en-US" dirty="0"/>
               <a:t> IDE</a:t>
             </a:r>
             <a:r>
-              <a:rPr lang="bg-BG" dirty="0" smtClean="0"/>
+              <a:rPr lang="bg-BG" dirty="0"/>
               <a:t> </a:t>
             </a:r>
             <a:r>
-              <a:rPr lang="en-US" dirty="0" smtClean="0"/>
+              <a:rPr lang="en-US" dirty="0"/>
               <a:t>Thonny</a:t>
             </a:r>
             <a:r>
-              <a:rPr lang="bg-BG" dirty="0" smtClean="0"/>
+              <a:rPr lang="bg-BG" dirty="0"/>
               <a:t> (1)</a:t>
             </a:r>
             <a:endParaRPr lang="en-US" dirty="0"/>
@@ -25919,7 +25701,7 @@
           <a:p>
             <a:pPr algn="ctr"/>
             <a:r>
-              <a:rPr lang="bg-BG" sz="2800" b="1" dirty="0" smtClean="0">
+              <a:rPr lang="bg-BG" sz="2800" b="1" dirty="0">
                 <a:solidFill>
                   <a:srgbClr val="FFFFFF"/>
                 </a:solidFill>
@@ -26008,7 +25790,7 @@
           <a:p>
             <a:pPr algn="ctr"/>
             <a:r>
-              <a:rPr lang="bg-BG" sz="2800" b="1" dirty="0" smtClean="0">
+              <a:rPr lang="bg-BG" sz="2800" b="1" dirty="0">
                 <a:solidFill>
                   <a:srgbClr val="FFFFFF"/>
                 </a:solidFill>
@@ -26023,7 +25805,7 @@
               <a:t>Тук е полето, където</a:t>
             </a:r>
             <a:r>
-              <a:rPr lang="en-US" sz="2800" b="1" dirty="0" smtClean="0">
+              <a:rPr lang="en-US" sz="2800" b="1" dirty="0">
                 <a:solidFill>
                   <a:srgbClr val="FFFFFF"/>
                 </a:solidFill>
@@ -26038,7 +25820,7 @@
               <a:t> </a:t>
             </a:r>
             <a:r>
-              <a:rPr lang="bg-BG" sz="2800" b="1" dirty="0" smtClean="0">
+              <a:rPr lang="bg-BG" sz="2800" b="1" dirty="0">
                 <a:solidFill>
                   <a:srgbClr val="FFFFFF"/>
                 </a:solidFill>
@@ -26053,7 +25835,7 @@
               <a:t>ще пишем нашия </a:t>
             </a:r>
             <a:r>
-              <a:rPr lang="bg-BG" sz="2800" b="1" dirty="0" smtClean="0">
+              <a:rPr lang="bg-BG" sz="2800" b="1" dirty="0">
                 <a:solidFill>
                   <a:schemeClr val="bg1">
                     <a:lumMod val="60000"/>
@@ -26148,7 +25930,7 @@
           <a:p>
             <a:pPr algn="ctr"/>
             <a:r>
-              <a:rPr lang="bg-BG" sz="2800" b="1" dirty="0" smtClean="0">
+              <a:rPr lang="bg-BG" sz="2800" b="1" dirty="0">
                 <a:solidFill>
                   <a:srgbClr val="FFFFFF"/>
                 </a:solidFill>
@@ -26163,7 +25945,7 @@
               <a:t>Това е </a:t>
             </a:r>
             <a:r>
-              <a:rPr lang="bg-BG" sz="2800" b="1" dirty="0" smtClean="0">
+              <a:rPr lang="bg-BG" sz="2800" b="1" dirty="0">
                 <a:solidFill>
                   <a:schemeClr val="bg1">
                     <a:lumMod val="60000"/>
@@ -26181,7 +25963,7 @@
               <a:t>конзолата</a:t>
             </a:r>
             <a:r>
-              <a:rPr lang="en-US" sz="2800" b="1" dirty="0" smtClean="0">
+              <a:rPr lang="en-US" sz="2800" b="1" dirty="0">
                 <a:solidFill>
                   <a:srgbClr val="FFFFFF"/>
                 </a:solidFill>
@@ -26196,7 +25978,7 @@
               <a:t>, </a:t>
             </a:r>
             <a:r>
-              <a:rPr lang="bg-BG" sz="2800" b="1" dirty="0" smtClean="0">
+              <a:rPr lang="bg-BG" sz="2800" b="1" dirty="0">
                 <a:solidFill>
                   <a:srgbClr val="FFFFFF"/>
                 </a:solidFill>
@@ -26285,7 +26067,7 @@
           <a:p>
             <a:pPr algn="ctr"/>
             <a:r>
-              <a:rPr lang="bg-BG" sz="2800" b="1" dirty="0" smtClean="0">
+              <a:rPr lang="bg-BG" sz="2800" b="1" dirty="0">
                 <a:solidFill>
                   <a:schemeClr val="bg2"/>
                 </a:solidFill>
@@ -26639,31 +26421,31 @@
           <a:lstStyle/>
           <a:p>
             <a:r>
-              <a:rPr lang="bg-BG" dirty="0" smtClean="0"/>
+              <a:rPr lang="bg-BG" dirty="0"/>
               <a:t>Елементи на</a:t>
             </a:r>
             <a:r>
-              <a:rPr lang="en-US" dirty="0" smtClean="0"/>
+              <a:rPr lang="en-US" dirty="0"/>
               <a:t> IDE</a:t>
             </a:r>
             <a:r>
-              <a:rPr lang="bg-BG" dirty="0" smtClean="0"/>
+              <a:rPr lang="bg-BG" dirty="0"/>
               <a:t> </a:t>
             </a:r>
             <a:r>
-              <a:rPr lang="en-US" dirty="0" smtClean="0"/>
+              <a:rPr lang="en-US" dirty="0"/>
               <a:t>Thonny</a:t>
             </a:r>
             <a:r>
-              <a:rPr lang="bg-BG" dirty="0" smtClean="0"/>
+              <a:rPr lang="bg-BG" dirty="0"/>
               <a:t> (</a:t>
             </a:r>
             <a:r>
-              <a:rPr lang="en-US" dirty="0" smtClean="0"/>
+              <a:rPr lang="en-US" dirty="0"/>
               <a:t>2</a:t>
             </a:r>
             <a:r>
-              <a:rPr lang="bg-BG" dirty="0" smtClean="0"/>
+              <a:rPr lang="bg-BG" dirty="0"/>
               <a:t>)</a:t>
             </a:r>
             <a:endParaRPr lang="en-US" dirty="0"/>
@@ -26730,7 +26512,7 @@
           <a:p>
             <a:pPr algn="ctr"/>
             <a:r>
-              <a:rPr lang="bg-BG" sz="2800" b="1" dirty="0" smtClean="0">
+              <a:rPr lang="bg-BG" sz="2800" b="1" dirty="0">
                 <a:solidFill>
                   <a:srgbClr val="FFFFFF"/>
                 </a:solidFill>
@@ -26819,7 +26601,7 @@
           <a:p>
             <a:pPr algn="ctr"/>
             <a:r>
-              <a:rPr lang="bg-BG" sz="2800" b="1" dirty="0" smtClean="0">
+              <a:rPr lang="bg-BG" sz="2800" b="1" dirty="0">
                 <a:solidFill>
                   <a:srgbClr val="FFFFFF"/>
                 </a:solidFill>
@@ -26908,7 +26690,7 @@
           <a:p>
             <a:pPr algn="ctr"/>
             <a:r>
-              <a:rPr lang="bg-BG" sz="2800" b="1" dirty="0" smtClean="0">
+              <a:rPr lang="bg-BG" sz="2800" b="1" dirty="0">
                 <a:solidFill>
                   <a:srgbClr val="FFFFFF"/>
                 </a:solidFill>
@@ -26923,7 +26705,7 @@
               <a:t>Изпълнение на кода (</a:t>
             </a:r>
             <a:r>
-              <a:rPr lang="en-US" sz="2800" b="1" dirty="0" smtClean="0">
+              <a:rPr lang="en-US" sz="2800" b="1" dirty="0">
                 <a:solidFill>
                   <a:schemeClr val="accent1">
                     <a:lumMod val="60000"/>
@@ -26941,7 +26723,7 @@
               <a:t>Run</a:t>
             </a:r>
             <a:r>
-              <a:rPr lang="bg-BG" sz="2800" b="1" dirty="0" smtClean="0">
+              <a:rPr lang="bg-BG" sz="2800" b="1" dirty="0">
                 <a:solidFill>
                   <a:srgbClr val="FFFFFF"/>
                 </a:solidFill>
@@ -27030,7 +26812,7 @@
           <a:p>
             <a:pPr algn="ctr"/>
             <a:r>
-              <a:rPr lang="bg-BG" sz="2800" b="1" dirty="0" smtClean="0">
+              <a:rPr lang="bg-BG" sz="2800" b="1" dirty="0">
                 <a:solidFill>
                   <a:srgbClr val="FFFFFF"/>
                 </a:solidFill>
@@ -27045,7 +26827,7 @@
               <a:t>Проверка за грешки в кода </a:t>
             </a:r>
             <a:r>
-              <a:rPr lang="en-US" sz="2800" b="1" dirty="0" smtClean="0">
+              <a:rPr lang="en-US" sz="2800" b="1" dirty="0">
                 <a:solidFill>
                   <a:srgbClr val="FFFFFF"/>
                 </a:solidFill>
@@ -27060,7 +26842,7 @@
               <a:t>(</a:t>
             </a:r>
             <a:r>
-              <a:rPr lang="en-US" sz="2800" b="1" dirty="0" smtClean="0">
+              <a:rPr lang="en-US" sz="2800" b="1" dirty="0">
                 <a:solidFill>
                   <a:schemeClr val="accent1">
                     <a:lumMod val="60000"/>
@@ -27078,7 +26860,7 @@
               <a:t>Debugger</a:t>
             </a:r>
             <a:r>
-              <a:rPr lang="en-US" sz="2800" b="1" dirty="0" smtClean="0">
+              <a:rPr lang="en-US" sz="2800" b="1" dirty="0">
                 <a:solidFill>
                   <a:srgbClr val="FFFFFF"/>
                 </a:solidFill>
@@ -27092,18 +26874,6 @@
               </a:rPr>
               <a:t>)</a:t>
             </a:r>
-            <a:endParaRPr lang="en-US" sz="2800" b="1" dirty="0">
-              <a:solidFill>
-                <a:srgbClr val="FFFFFF"/>
-              </a:solidFill>
-              <a:effectLst>
-                <a:outerShdw blurRad="38100" dist="38100" dir="2700000" algn="tl">
-                  <a:srgbClr val="000000">
-                    <a:alpha val="43137"/>
-                  </a:srgbClr>
-                </a:outerShdw>
-              </a:effectLst>
-            </a:endParaRPr>
           </a:p>
         </p:txBody>
       </p:sp>
@@ -27167,7 +26937,7 @@
           <a:p>
             <a:pPr algn="ctr"/>
             <a:r>
-              <a:rPr lang="bg-BG" sz="2800" b="1" dirty="0" smtClean="0">
+              <a:rPr lang="bg-BG" sz="2800" b="1" dirty="0">
                 <a:solidFill>
                   <a:srgbClr val="FFFFFF"/>
                 </a:solidFill>
@@ -27256,7 +27026,7 @@
           <a:p>
             <a:pPr algn="ctr"/>
             <a:r>
-              <a:rPr lang="bg-BG" sz="2800" b="1" dirty="0" smtClean="0">
+              <a:rPr lang="bg-BG" sz="2800" b="1" dirty="0">
                 <a:solidFill>
                   <a:srgbClr val="FFFFFF"/>
                 </a:solidFill>
@@ -27701,22 +27471,22 @@
           <a:lstStyle/>
           <a:p>
             <a:r>
-              <a:rPr lang="bg-BG" dirty="0" smtClean="0"/>
+              <a:rPr lang="bg-BG" dirty="0"/>
               <a:t>След като отворите </a:t>
             </a:r>
             <a:r>
-              <a:rPr lang="en-US" b="1" dirty="0" smtClean="0"/>
+              <a:rPr lang="en-US" b="1" dirty="0"/>
               <a:t>IDE</a:t>
             </a:r>
             <a:r>
-              <a:rPr lang="bg-BG" dirty="0" smtClean="0"/>
+              <a:rPr lang="bg-BG" dirty="0"/>
               <a:t>-то, е време да напишем първата ни </a:t>
             </a:r>
             <a:r>
-              <a:rPr lang="bg-BG" b="1" dirty="0" smtClean="0"/>
+              <a:rPr lang="bg-BG" b="1" dirty="0"/>
               <a:t>програма</a:t>
             </a:r>
-            <a:endParaRPr lang="en-US" b="1" dirty="0" smtClean="0"/>
+            <a:endParaRPr lang="en-US" b="1" dirty="0"/>
           </a:p>
           <a:p>
             <a:r>
@@ -27739,7 +27509,7 @@
               <a:rPr lang="ru-RU" dirty="0"/>
               <a:t>:</a:t>
             </a:r>
-            <a:endParaRPr lang="en-US" dirty="0" smtClean="0"/>
+            <a:endParaRPr lang="en-US" dirty="0"/>
           </a:p>
         </p:txBody>
       </p:sp>
@@ -27759,15 +27529,15 @@
           <a:lstStyle/>
           <a:p>
             <a:r>
-              <a:rPr lang="bg-BG" dirty="0" smtClean="0"/>
+              <a:rPr lang="bg-BG" dirty="0"/>
               <a:t>Писане на</a:t>
             </a:r>
             <a:r>
-              <a:rPr lang="en-US" dirty="0" smtClean="0"/>
+              <a:rPr lang="en-US" dirty="0"/>
               <a:t> </a:t>
             </a:r>
             <a:r>
-              <a:rPr lang="bg-BG" dirty="0" smtClean="0"/>
+              <a:rPr lang="bg-BG" dirty="0"/>
               <a:t>програмен код</a:t>
             </a:r>
             <a:endParaRPr lang="en-US" dirty="0"/>
@@ -27821,14 +27591,11 @@
               <a:buSzPct val="70000"/>
             </a:pPr>
             <a:r>
-              <a:rPr lang="en-US" sz="2400" b="1" dirty="0" smtClean="0">
+              <a:rPr lang="en-US" sz="2400" b="1" dirty="0">
                 <a:latin typeface="Consolas" panose="020B0609020204030204" pitchFamily="49" charset="0"/>
               </a:rPr>
               <a:t>print("Hello world")</a:t>
             </a:r>
-            <a:endParaRPr lang="en-US" sz="2400" b="1" dirty="0">
-              <a:latin typeface="Consolas" panose="020B0609020204030204" pitchFamily="49" charset="0"/>
-            </a:endParaRPr>
           </a:p>
         </p:txBody>
       </p:sp>
